--- a/src/com/company/Texas Hold'em UML Diagram.pptx
+++ b/src/com/company/Texas Hold'em UML Diagram.pptx
@@ -6,8 +6,6 @@
   </p:sldMasterIdLst>
   <p:sldIdLst>
     <p:sldId id="256" r:id="rId2"/>
-    <p:sldId id="257" r:id="rId3"/>
-    <p:sldId id="258" r:id="rId4"/>
   </p:sldIdLst>
   <p:sldSz cx="9144000" cy="6858000" type="screen4x3"/>
   <p:notesSz cx="6858000" cy="9144000"/>
@@ -293,7 +291,7 @@
           <a:p>
             <a:fld id="{A6026E4B-DA79-4DA3-88A8-510114CE61D4}" type="datetimeFigureOut">
               <a:rPr lang="en-US" smtClean="0"/>
-              <a:t>9/26/2017</a:t>
+              <a:t>10/17/2017</a:t>
             </a:fld>
             <a:endParaRPr lang="en-US"/>
           </a:p>
@@ -463,7 +461,7 @@
           <a:p>
             <a:fld id="{A6026E4B-DA79-4DA3-88A8-510114CE61D4}" type="datetimeFigureOut">
               <a:rPr lang="en-US" smtClean="0"/>
-              <a:t>9/26/2017</a:t>
+              <a:t>10/17/2017</a:t>
             </a:fld>
             <a:endParaRPr lang="en-US"/>
           </a:p>
@@ -643,7 +641,7 @@
           <a:p>
             <a:fld id="{A6026E4B-DA79-4DA3-88A8-510114CE61D4}" type="datetimeFigureOut">
               <a:rPr lang="en-US" smtClean="0"/>
-              <a:t>9/26/2017</a:t>
+              <a:t>10/17/2017</a:t>
             </a:fld>
             <a:endParaRPr lang="en-US"/>
           </a:p>
@@ -813,7 +811,7 @@
           <a:p>
             <a:fld id="{A6026E4B-DA79-4DA3-88A8-510114CE61D4}" type="datetimeFigureOut">
               <a:rPr lang="en-US" smtClean="0"/>
-              <a:t>9/26/2017</a:t>
+              <a:t>10/17/2017</a:t>
             </a:fld>
             <a:endParaRPr lang="en-US"/>
           </a:p>
@@ -1057,7 +1055,7 @@
           <a:p>
             <a:fld id="{A6026E4B-DA79-4DA3-88A8-510114CE61D4}" type="datetimeFigureOut">
               <a:rPr lang="en-US" smtClean="0"/>
-              <a:t>9/26/2017</a:t>
+              <a:t>10/17/2017</a:t>
             </a:fld>
             <a:endParaRPr lang="en-US"/>
           </a:p>
@@ -1289,7 +1287,7 @@
           <a:p>
             <a:fld id="{A6026E4B-DA79-4DA3-88A8-510114CE61D4}" type="datetimeFigureOut">
               <a:rPr lang="en-US" smtClean="0"/>
-              <a:t>9/26/2017</a:t>
+              <a:t>10/17/2017</a:t>
             </a:fld>
             <a:endParaRPr lang="en-US"/>
           </a:p>
@@ -1656,7 +1654,7 @@
           <a:p>
             <a:fld id="{A6026E4B-DA79-4DA3-88A8-510114CE61D4}" type="datetimeFigureOut">
               <a:rPr lang="en-US" smtClean="0"/>
-              <a:t>9/26/2017</a:t>
+              <a:t>10/17/2017</a:t>
             </a:fld>
             <a:endParaRPr lang="en-US"/>
           </a:p>
@@ -1774,7 +1772,7 @@
           <a:p>
             <a:fld id="{A6026E4B-DA79-4DA3-88A8-510114CE61D4}" type="datetimeFigureOut">
               <a:rPr lang="en-US" smtClean="0"/>
-              <a:t>9/26/2017</a:t>
+              <a:t>10/17/2017</a:t>
             </a:fld>
             <a:endParaRPr lang="en-US"/>
           </a:p>
@@ -1869,7 +1867,7 @@
           <a:p>
             <a:fld id="{A6026E4B-DA79-4DA3-88A8-510114CE61D4}" type="datetimeFigureOut">
               <a:rPr lang="en-US" smtClean="0"/>
-              <a:t>9/26/2017</a:t>
+              <a:t>10/17/2017</a:t>
             </a:fld>
             <a:endParaRPr lang="en-US"/>
           </a:p>
@@ -2146,7 +2144,7 @@
           <a:p>
             <a:fld id="{A6026E4B-DA79-4DA3-88A8-510114CE61D4}" type="datetimeFigureOut">
               <a:rPr lang="en-US" smtClean="0"/>
-              <a:t>9/26/2017</a:t>
+              <a:t>10/17/2017</a:t>
             </a:fld>
             <a:endParaRPr lang="en-US"/>
           </a:p>
@@ -2403,7 +2401,7 @@
           <a:p>
             <a:fld id="{A6026E4B-DA79-4DA3-88A8-510114CE61D4}" type="datetimeFigureOut">
               <a:rPr lang="en-US" smtClean="0"/>
-              <a:t>9/26/2017</a:t>
+              <a:t>10/17/2017</a:t>
             </a:fld>
             <a:endParaRPr lang="en-US"/>
           </a:p>
@@ -2616,7 +2614,7 @@
           <a:p>
             <a:fld id="{A6026E4B-DA79-4DA3-88A8-510114CE61D4}" type="datetimeFigureOut">
               <a:rPr lang="en-US" smtClean="0"/>
-              <a:t>9/26/2017</a:t>
+              <a:t>10/17/2017</a:t>
             </a:fld>
             <a:endParaRPr lang="en-US"/>
           </a:p>
@@ -6159,149 +6157,6 @@
 </p:sld>
 </file>
 
-<file path=ppt/slides/slide2.xml><?xml version="1.0" encoding="utf-8"?>
-<p:sld xmlns:a="http://schemas.openxmlformats.org/drawingml/2006/main" xmlns:r="http://schemas.openxmlformats.org/officeDocument/2006/relationships" xmlns:p="http://schemas.openxmlformats.org/presentationml/2006/main">
-  <p:cSld>
-    <p:spTree>
-      <p:nvGrpSpPr>
-        <p:cNvPr id="1" name=""/>
-        <p:cNvGrpSpPr/>
-        <p:nvPr/>
-      </p:nvGrpSpPr>
-      <p:grpSpPr>
-        <a:xfrm>
-          <a:off x="0" y="0"/>
-          <a:ext cx="0" cy="0"/>
-          <a:chOff x="0" y="0"/>
-          <a:chExt cx="0" cy="0"/>
-        </a:xfrm>
-      </p:grpSpPr>
-      <p:pic>
-        <p:nvPicPr>
-          <p:cNvPr id="5" name="Picture 4">
-            <a:extLst>
-              <a:ext uri="{FF2B5EF4-FFF2-40B4-BE49-F238E27FC236}">
-                <a16:creationId xmlns:a16="http://schemas.microsoft.com/office/drawing/2014/main" id="{3A94CF86-FAD2-486C-8AF4-FBBEA7E8DA4E}"/>
-              </a:ext>
-            </a:extLst>
-          </p:cNvPr>
-          <p:cNvPicPr>
-            <a:picLocks noChangeAspect="1"/>
-          </p:cNvPicPr>
-          <p:nvPr/>
-        </p:nvPicPr>
-        <p:blipFill>
-          <a:blip r:embed="rId2">
-            <a:extLst>
-              <a:ext uri="{28A0092B-C50C-407E-A947-70E740481C1C}">
-                <a14:useLocalDpi xmlns:a14="http://schemas.microsoft.com/office/drawing/2010/main" val="0"/>
-              </a:ext>
-            </a:extLst>
-          </a:blip>
-          <a:stretch>
-            <a:fillRect/>
-          </a:stretch>
-        </p:blipFill>
-        <p:spPr>
-          <a:xfrm>
-            <a:off x="0" y="0"/>
-            <a:ext cx="9144000" cy="6858000"/>
-          </a:xfrm>
-          <a:prstGeom prst="rect">
-            <a:avLst/>
-          </a:prstGeom>
-        </p:spPr>
-      </p:pic>
-    </p:spTree>
-    <p:extLst>
-      <p:ext uri="{BB962C8B-B14F-4D97-AF65-F5344CB8AC3E}">
-        <p14:creationId xmlns:p14="http://schemas.microsoft.com/office/powerpoint/2010/main" val="401697395"/>
-      </p:ext>
-    </p:extLst>
-  </p:cSld>
-  <p:clrMapOvr>
-    <a:masterClrMapping/>
-  </p:clrMapOvr>
-</p:sld>
-</file>
-
-<file path=ppt/slides/slide3.xml><?xml version="1.0" encoding="utf-8"?>
-<p:sld xmlns:a="http://schemas.openxmlformats.org/drawingml/2006/main" xmlns:r="http://schemas.openxmlformats.org/officeDocument/2006/relationships" xmlns:p="http://schemas.openxmlformats.org/presentationml/2006/main">
-  <p:cSld>
-    <p:spTree>
-      <p:nvGrpSpPr>
-        <p:cNvPr id="1" name=""/>
-        <p:cNvGrpSpPr/>
-        <p:nvPr/>
-      </p:nvGrpSpPr>
-      <p:grpSpPr>
-        <a:xfrm>
-          <a:off x="0" y="0"/>
-          <a:ext cx="0" cy="0"/>
-          <a:chOff x="0" y="0"/>
-          <a:chExt cx="0" cy="0"/>
-        </a:xfrm>
-      </p:grpSpPr>
-      <p:pic>
-        <p:nvPicPr>
-          <p:cNvPr id="1026" name="Picture 2" descr="Image result for texas holdem rules">
-            <a:extLst>
-              <a:ext uri="{FF2B5EF4-FFF2-40B4-BE49-F238E27FC236}">
-                <a16:creationId xmlns:a16="http://schemas.microsoft.com/office/drawing/2014/main" id="{F959644C-E62F-47BA-A686-473BF996136B}"/>
-              </a:ext>
-            </a:extLst>
-          </p:cNvPr>
-          <p:cNvPicPr>
-            <a:picLocks noChangeAspect="1" noChangeArrowheads="1"/>
-          </p:cNvPicPr>
-          <p:nvPr/>
-        </p:nvPicPr>
-        <p:blipFill>
-          <a:blip r:embed="rId2">
-            <a:extLst>
-              <a:ext uri="{28A0092B-C50C-407E-A947-70E740481C1C}">
-                <a14:useLocalDpi xmlns:a14="http://schemas.microsoft.com/office/drawing/2010/main" val="0"/>
-              </a:ext>
-            </a:extLst>
-          </a:blip>
-          <a:srcRect/>
-          <a:stretch>
-            <a:fillRect/>
-          </a:stretch>
-        </p:blipFill>
-        <p:spPr bwMode="auto">
-          <a:xfrm>
-            <a:off x="1691433" y="298028"/>
-            <a:ext cx="6055279" cy="6102772"/>
-          </a:xfrm>
-          <a:prstGeom prst="rect">
-            <a:avLst/>
-          </a:prstGeom>
-          <a:noFill/>
-          <a:extLst>
-            <a:ext uri="{909E8E84-426E-40DD-AFC4-6F175D3DCCD1}">
-              <a14:hiddenFill xmlns:a14="http://schemas.microsoft.com/office/drawing/2010/main">
-                <a:solidFill>
-                  <a:srgbClr val="FFFFFF"/>
-                </a:solidFill>
-              </a14:hiddenFill>
-            </a:ext>
-          </a:extLst>
-        </p:spPr>
-      </p:pic>
-    </p:spTree>
-    <p:extLst>
-      <p:ext uri="{BB962C8B-B14F-4D97-AF65-F5344CB8AC3E}">
-        <p14:creationId xmlns:p14="http://schemas.microsoft.com/office/powerpoint/2010/main" val="364726041"/>
-      </p:ext>
-    </p:extLst>
-  </p:cSld>
-  <p:clrMapOvr>
-    <a:masterClrMapping/>
-  </p:clrMapOvr>
-</p:sld>
-</file>
-
 <file path=ppt/theme/theme1.xml><?xml version="1.0" encoding="utf-8"?>
 <a:theme xmlns:a="http://schemas.openxmlformats.org/drawingml/2006/main" name="Office Theme">
   <a:themeElements>
